--- a/Homework_Jacqueline/Neuroinformatic/Task12_Group30.pptx
+++ b/Homework_Jacqueline/Neuroinformatic/Task12_Group30.pptx
@@ -12604,7 +12604,42 @@
                           <m:nor/>
                         </m:rPr>
                         <a:rPr lang="de-DE" dirty="0"/>
-                        <m:t>=1)=0,9</m:t>
+                        <m:t>=</m:t>
+                      </m:r>
+                      <m:r>
+                        <m:rPr>
+                          <m:nor/>
+                        </m:rPr>
+                        <a:rPr lang="de-DE" dirty="0"/>
+                        <m:t>1</m:t>
+                      </m:r>
+                      <m:r>
+                        <m:rPr>
+                          <m:nor/>
+                        </m:rPr>
+                        <a:rPr lang="de-DE" dirty="0"/>
+                        <m:t>)=</m:t>
+                      </m:r>
+                      <m:r>
+                        <m:rPr>
+                          <m:nor/>
+                        </m:rPr>
+                        <a:rPr lang="de-DE" dirty="0"/>
+                        <m:t>0</m:t>
+                      </m:r>
+                      <m:r>
+                        <m:rPr>
+                          <m:nor/>
+                        </m:rPr>
+                        <a:rPr lang="de-DE" dirty="0"/>
+                        <m:t>,</m:t>
+                      </m:r>
+                      <m:r>
+                        <m:rPr>
+                          <m:nor/>
+                        </m:rPr>
+                        <a:rPr lang="de-DE" dirty="0"/>
+                        <m:t>9</m:t>
                       </m:r>
                     </m:oMath>
                   </m:oMathPara>
@@ -12645,7 +12680,42 @@
                           <m:nor/>
                         </m:rPr>
                         <a:rPr lang="de-DE" dirty="0" smtClean="0"/>
-                        <m:t>=0)=0,1</m:t>
+                        <m:t>=</m:t>
+                      </m:r>
+                      <m:r>
+                        <m:rPr>
+                          <m:nor/>
+                        </m:rPr>
+                        <a:rPr lang="de-DE" dirty="0" smtClean="0"/>
+                        <m:t>0</m:t>
+                      </m:r>
+                      <m:r>
+                        <m:rPr>
+                          <m:nor/>
+                        </m:rPr>
+                        <a:rPr lang="de-DE" dirty="0" smtClean="0"/>
+                        <m:t>)=</m:t>
+                      </m:r>
+                      <m:r>
+                        <m:rPr>
+                          <m:nor/>
+                        </m:rPr>
+                        <a:rPr lang="de-DE" dirty="0" smtClean="0"/>
+                        <m:t>0</m:t>
+                      </m:r>
+                      <m:r>
+                        <m:rPr>
+                          <m:nor/>
+                        </m:rPr>
+                        <a:rPr lang="de-DE" dirty="0" smtClean="0"/>
+                        <m:t>,</m:t>
+                      </m:r>
+                      <m:r>
+                        <m:rPr>
+                          <m:nor/>
+                        </m:rPr>
+                        <a:rPr lang="de-DE" dirty="0" smtClean="0"/>
+                        <m:t>1</m:t>
                       </m:r>
                     </m:oMath>
                   </m:oMathPara>
@@ -20421,7 +20491,20 @@
                           <a:latin typeface="+mj-lt"/>
                           <a:cs typeface="Calibri" panose="020F0502020204030204" pitchFamily="34" charset="0"/>
                         </a:rPr>
-                        <m:t>1. </m:t>
+                        <m:t>1</m:t>
+                      </m:r>
+                      <m:r>
+                        <m:rPr>
+                          <m:nor/>
+                        </m:rPr>
+                        <a:rPr lang="en-AU" smtClean="0">
+                          <a:solidFill>
+                            <a:srgbClr val="000000"/>
+                          </a:solidFill>
+                          <a:latin typeface="+mj-lt"/>
+                          <a:cs typeface="Calibri" panose="020F0502020204030204" pitchFamily="34" charset="0"/>
+                        </a:rPr>
+                        <m:t>. </m:t>
                       </m:r>
                       <m:r>
                         <m:rPr>
@@ -32130,6 +32213,44 @@
           </a:p>
         </p:txBody>
       </p:sp>
+      <p:sp>
+        <p:nvSpPr>
+          <p:cNvPr id="3" name="Textfeld 2">
+            <a:extLst>
+              <a:ext uri="{FF2B5EF4-FFF2-40B4-BE49-F238E27FC236}">
+                <a16:creationId xmlns:a16="http://schemas.microsoft.com/office/drawing/2014/main" id="{2A3F8BB2-496A-48C1-A4C8-FC3591F473F8}"/>
+              </a:ext>
+            </a:extLst>
+          </p:cNvPr>
+          <p:cNvSpPr txBox="1"/>
+          <p:nvPr/>
+        </p:nvSpPr>
+        <p:spPr>
+          <a:xfrm>
+            <a:off x="4733899" y="2461634"/>
+            <a:ext cx="345955" cy="370524"/>
+          </a:xfrm>
+          <a:prstGeom prst="rect">
+            <a:avLst/>
+          </a:prstGeom>
+          <a:noFill/>
+          <a:ln>
+            <a:noFill/>
+          </a:ln>
+        </p:spPr>
+        <p:txBody>
+          <a:bodyPr wrap="square" rtlCol="0">
+            <a:spAutoFit/>
+          </a:bodyPr>
+          <a:lstStyle/>
+          <a:p>
+            <a:r>
+              <a:rPr lang="de-DE" dirty="0"/>
+              <a:t>M</a:t>
+            </a:r>
+          </a:p>
+        </p:txBody>
+      </p:sp>
     </p:spTree>
     <p:extLst>
       <p:ext uri="{BB962C8B-B14F-4D97-AF65-F5344CB8AC3E}">

--- a/Homework_Jacqueline/Neuroinformatic/Task12_Group30.pptx
+++ b/Homework_Jacqueline/Neuroinformatic/Task12_Group30.pptx
@@ -1287,7 +1287,7 @@
               <a:pPr>
                 <a:defRPr/>
               </a:pPr>
-              <a:t>18.11.2020</a:t>
+              <a:t>25.11.2020</a:t>
             </a:fld>
             <a:endParaRPr lang="de-DE"/>
           </a:p>
@@ -1528,7 +1528,7 @@
               <a:pPr>
                 <a:defRPr/>
               </a:pPr>
-              <a:t>11/18/2020</a:t>
+              <a:t>11/25/2020</a:t>
             </a:fld>
             <a:endParaRPr lang="en-GB"/>
           </a:p>
@@ -6357,8 +6357,8 @@
           </a:p>
         </p:txBody>
       </p:sp>
-      <mc:AlternateContent xmlns:mc="http://schemas.openxmlformats.org/markup-compatibility/2006" xmlns:a14="http://schemas.microsoft.com/office/drawing/2010/main">
-        <mc:Choice Requires="a14">
+      <mc:AlternateContent xmlns:mc="http://schemas.openxmlformats.org/markup-compatibility/2006">
+        <mc:Choice xmlns:a14="http://schemas.microsoft.com/office/drawing/2010/main" Requires="a14">
           <p:sp>
             <p:nvSpPr>
               <p:cNvPr id="21" name="Textfeld 20">
@@ -6391,18 +6391,18 @@
               <a:lstStyle/>
               <a:p>
                 <a:r>
-                  <a:rPr lang="en-AU">
+                  <a:rPr lang="en-AU" dirty="0">
                     <a:solidFill>
                       <a:srgbClr val="000000"/>
                     </a:solidFill>
                     <a:latin typeface="+mj-lt"/>
                     <a:cs typeface="Calibri" panose="020F0502020204030204" pitchFamily="34" charset="0"/>
                   </a:rPr>
-                  <a:t>Let´s  assume we could know that the recording application wouldn´t work, the Microphone is broken as well and we still would like to know the probability that the recording application is responsible for an unsuccesfull recording. The proper mathematical expression than would be:</a:t>
+                  <a:t>Let´s  assume we could know that the recording application wouldn´t work, the microphone is broken as well and we still would like to know the probability that the recording application is responsible for an unsuccessful recording. The proper mathematical expression then would be:</a:t>
                 </a:r>
               </a:p>
               <a:p>
-                <a:endParaRPr lang="en-AU">
+                <a:endParaRPr lang="en-AU" dirty="0">
                   <a:solidFill>
                     <a:srgbClr val="000000"/>
                   </a:solidFill>
@@ -6494,7 +6494,7 @@
                   </m:oMath>
                 </a14:m>
                 <a:r>
-                  <a:rPr lang="en-AU">
+                  <a:rPr lang="en-AU" dirty="0">
                     <a:solidFill>
                       <a:srgbClr val="000000"/>
                     </a:solidFill>
@@ -6505,7 +6505,7 @@
                 </a:r>
               </a:p>
               <a:p>
-                <a:endParaRPr lang="en-AU">
+                <a:endParaRPr lang="en-AU" dirty="0">
                   <a:solidFill>
                     <a:srgbClr val="000000"/>
                   </a:solidFill>
@@ -6525,20 +6525,33 @@
                         <m:rPr>
                           <m:nor/>
                         </m:rPr>
-                        <a:rPr lang="en-AU" smtClean="0">
+                        <a:rPr lang="en-AU" u="sng" smtClean="0">
                           <a:solidFill>
                             <a:srgbClr val="000000"/>
                           </a:solidFill>
                           <a:latin typeface="+mj-lt"/>
                           <a:cs typeface="Calibri" panose="020F0502020204030204" pitchFamily="34" charset="0"/>
                         </a:rPr>
-                        <m:t>1. </m:t>
+                        <m:t>1</m:t>
                       </m:r>
                       <m:r>
                         <m:rPr>
                           <m:nor/>
                         </m:rPr>
-                        <a:rPr lang="en-AU" smtClean="0">
+                        <a:rPr lang="en-AU" u="sng" smtClean="0">
+                          <a:solidFill>
+                            <a:srgbClr val="000000"/>
+                          </a:solidFill>
+                          <a:latin typeface="+mj-lt"/>
+                          <a:cs typeface="Calibri" panose="020F0502020204030204" pitchFamily="34" charset="0"/>
+                        </a:rPr>
+                        <m:t>. </m:t>
+                      </m:r>
+                      <m:r>
+                        <m:rPr>
+                          <m:nor/>
+                        </m:rPr>
+                        <a:rPr lang="en-AU" u="sng" smtClean="0">
                           <a:solidFill>
                             <a:srgbClr val="000000"/>
                           </a:solidFill>
@@ -6551,7 +6564,7 @@
                         <m:rPr>
                           <m:nor/>
                         </m:rPr>
-                        <a:rPr lang="en-AU" smtClean="0">
+                        <a:rPr lang="en-AU" u="sng" smtClean="0">
                           <a:solidFill>
                             <a:srgbClr val="000000"/>
                           </a:solidFill>
@@ -6564,7 +6577,7 @@
                         <m:rPr>
                           <m:nor/>
                         </m:rPr>
-                        <a:rPr lang="en-AU" smtClean="0">
+                        <a:rPr lang="en-AU" u="sng" smtClean="0">
                           <a:solidFill>
                             <a:srgbClr val="000000"/>
                           </a:solidFill>
@@ -6577,7 +6590,7 @@
                         <m:rPr>
                           <m:nor/>
                         </m:rPr>
-                        <a:rPr lang="en-AU" smtClean="0">
+                        <a:rPr lang="en-AU" u="sng" smtClean="0">
                           <a:solidFill>
                             <a:srgbClr val="000000"/>
                           </a:solidFill>
@@ -6590,7 +6603,7 @@
                         <m:rPr>
                           <m:nor/>
                         </m:rPr>
-                        <a:rPr lang="en-AU" smtClean="0">
+                        <a:rPr lang="en-AU" u="sng" smtClean="0">
                           <a:solidFill>
                             <a:srgbClr val="000000"/>
                           </a:solidFill>
@@ -6603,7 +6616,7 @@
                         <m:rPr>
                           <m:nor/>
                         </m:rPr>
-                        <a:rPr lang="en-AU" smtClean="0">
+                        <a:rPr lang="en-AU" u="sng" smtClean="0">
                           <a:solidFill>
                             <a:srgbClr val="000000"/>
                           </a:solidFill>
@@ -6616,7 +6629,7 @@
                         <m:rPr>
                           <m:nor/>
                         </m:rPr>
-                        <a:rPr lang="en-AU" smtClean="0">
+                        <a:rPr lang="en-AU" u="sng" smtClean="0">
                           <a:solidFill>
                             <a:srgbClr val="000000"/>
                           </a:solidFill>
@@ -6629,7 +6642,7 @@
                         <m:rPr>
                           <m:nor/>
                         </m:rPr>
-                        <a:rPr lang="en-AU" smtClean="0">
+                        <a:rPr lang="en-AU" u="sng" smtClean="0">
                           <a:solidFill>
                             <a:srgbClr val="000000"/>
                           </a:solidFill>
@@ -6642,7 +6655,7 @@
                         <m:rPr>
                           <m:nor/>
                         </m:rPr>
-                        <a:rPr lang="en-AU" smtClean="0">
+                        <a:rPr lang="en-AU" u="sng" smtClean="0">
                           <a:solidFill>
                             <a:srgbClr val="000000"/>
                           </a:solidFill>
@@ -6655,7 +6668,7 @@
                         <m:rPr>
                           <m:nor/>
                         </m:rPr>
-                        <a:rPr lang="en-AU" smtClean="0">
+                        <a:rPr lang="en-AU" u="sng" smtClean="0">
                           <a:solidFill>
                             <a:srgbClr val="000000"/>
                           </a:solidFill>
@@ -6667,7 +6680,7 @@
                     </m:oMath>
                   </m:oMathPara>
                 </a14:m>
-                <a:endParaRPr lang="en-AU">
+                <a:endParaRPr lang="en-AU" u="sng" dirty="0">
                   <a:solidFill>
                     <a:srgbClr val="000000"/>
                   </a:solidFill>
@@ -6676,7 +6689,7 @@
                 </a:endParaRPr>
               </a:p>
               <a:p>
-                <a:endParaRPr lang="en-AU">
+                <a:endParaRPr lang="en-AU" dirty="0">
                   <a:solidFill>
                     <a:srgbClr val="000000"/>
                   </a:solidFill>
@@ -6918,7 +6931,7 @@
                     </m:oMath>
                   </m:oMathPara>
                 </a14:m>
-                <a:endParaRPr lang="en-AU">
+                <a:endParaRPr lang="en-AU" dirty="0">
                   <a:solidFill>
                     <a:srgbClr val="000000"/>
                   </a:solidFill>
@@ -6927,7 +6940,7 @@
                 </a:endParaRPr>
               </a:p>
               <a:p>
-                <a:endParaRPr lang="en-AU">
+                <a:endParaRPr lang="en-AU" dirty="0">
                   <a:solidFill>
                     <a:srgbClr val="000000"/>
                   </a:solidFill>
@@ -6936,7 +6949,7 @@
                 </a:endParaRPr>
               </a:p>
               <a:p>
-                <a:endParaRPr lang="en-AU">
+                <a:endParaRPr lang="en-AU" dirty="0">
                   <a:solidFill>
                     <a:srgbClr val="000000"/>
                   </a:solidFill>
@@ -6945,14 +6958,14 @@
                 </a:endParaRPr>
               </a:p>
               <a:p>
-                <a:endParaRPr lang="en-AU">
+                <a:endParaRPr lang="en-AU" dirty="0">
                   <a:latin typeface="+mj-lt"/>
                 </a:endParaRPr>
               </a:p>
             </p:txBody>
           </p:sp>
         </mc:Choice>
-        <mc:Fallback xmlns="">
+        <mc:Fallback>
           <p:sp>
             <p:nvSpPr>
               <p:cNvPr id="21" name="Textfeld 20">
@@ -7000,8 +7013,8 @@
           </p:sp>
         </mc:Fallback>
       </mc:AlternateContent>
-      <mc:AlternateContent xmlns:mc="http://schemas.openxmlformats.org/markup-compatibility/2006" xmlns:a14="http://schemas.microsoft.com/office/drawing/2010/main">
-        <mc:Choice Requires="a14">
+      <mc:AlternateContent xmlns:mc="http://schemas.openxmlformats.org/markup-compatibility/2006">
+        <mc:Choice xmlns:a14="http://schemas.microsoft.com/office/drawing/2010/main" Requires="a14">
           <p:sp>
             <p:nvSpPr>
               <p:cNvPr id="14" name="Textfeld 13">
@@ -7031,14 +7044,14 @@
               <a:lstStyle/>
               <a:p>
                 <a:r>
-                  <a:rPr lang="en-AU" u="sng">
+                  <a:rPr lang="en-AU" u="sng" dirty="0">
                     <a:latin typeface="+mj-lt"/>
                     <a:cs typeface="Calibri" panose="020F0502020204030204" pitchFamily="34" charset="0"/>
                   </a:rPr>
                   <a:t>2</a:t>
                 </a:r>
                 <a:r>
-                  <a:rPr lang="en-AU">
+                  <a:rPr lang="en-AU" u="sng" dirty="0">
                     <a:solidFill>
                       <a:srgbClr val="000000"/>
                     </a:solidFill>
@@ -7049,7 +7062,7 @@
                 </a:r>
               </a:p>
               <a:p>
-                <a:endParaRPr lang="en-AU">
+                <a:endParaRPr lang="en-AU" dirty="0">
                   <a:solidFill>
                     <a:srgbClr val="000000"/>
                   </a:solidFill>
@@ -7350,7 +7363,7 @@
                     </m:oMath>
                   </m:oMathPara>
                 </a14:m>
-                <a:endParaRPr lang="en-AU">
+                <a:endParaRPr lang="en-AU" dirty="0">
                   <a:solidFill>
                     <a:srgbClr val="000000"/>
                   </a:solidFill>
@@ -7359,7 +7372,7 @@
                 </a:endParaRPr>
               </a:p>
               <a:p>
-                <a:endParaRPr lang="en-AU">
+                <a:endParaRPr lang="en-AU" dirty="0">
                   <a:solidFill>
                     <a:srgbClr val="000000"/>
                   </a:solidFill>
@@ -7691,7 +7704,7 @@
                     </m:oMath>
                   </m:oMathPara>
                 </a14:m>
-                <a:endParaRPr lang="en-AU">
+                <a:endParaRPr lang="en-AU" dirty="0">
                   <a:solidFill>
                     <a:srgbClr val="000000"/>
                   </a:solidFill>
@@ -7700,14 +7713,14 @@
                 </a:endParaRPr>
               </a:p>
               <a:p>
-                <a:endParaRPr lang="en-AU">
+                <a:endParaRPr lang="en-AU" dirty="0">
                   <a:latin typeface="+mj-lt"/>
                 </a:endParaRPr>
               </a:p>
             </p:txBody>
           </p:sp>
         </mc:Choice>
-        <mc:Fallback xmlns="">
+        <mc:Fallback>
           <p:sp>
             <p:nvSpPr>
               <p:cNvPr id="14" name="Textfeld 13">
@@ -7793,22 +7806,22 @@
           </a:lstStyle>
           <a:p>
             <a:r>
-              <a:rPr lang="en-AU">
+              <a:rPr lang="en-AU" dirty="0">
                 <a:latin typeface="+mj-lt"/>
                 <a:cs typeface="Calibri" panose="020F0502020204030204" pitchFamily="34" charset="0"/>
               </a:rPr>
-              <a:t>As we see on the tables a slide ago, there is no P(M,R) that we could directly plug in, as it is not directly given (dependend on p(M) and p(A)).</a:t>
+              <a:t>As we see on the tables a slide ago, there is no P(M,R) that we could directly plug in, as it is not directly given (dependent on p(M) and p(A)).</a:t>
             </a:r>
           </a:p>
           <a:p>
-            <a:endParaRPr lang="en-AU">
+            <a:endParaRPr lang="en-AU" dirty="0">
               <a:latin typeface="+mj-lt"/>
               <a:cs typeface="Calibri" panose="020F0502020204030204" pitchFamily="34" charset="0"/>
             </a:endParaRPr>
           </a:p>
           <a:p>
             <a:r>
-              <a:rPr lang="en-AU">
+              <a:rPr lang="en-AU" dirty="0">
                 <a:latin typeface="+mj-lt"/>
                 <a:cs typeface="Calibri" panose="020F0502020204030204" pitchFamily="34" charset="0"/>
               </a:rPr>
@@ -8087,8 +8100,8 @@
           <a:chExt cx="0" cy="0"/>
         </a:xfrm>
       </p:grpSpPr>
-      <mc:AlternateContent xmlns:mc="http://schemas.openxmlformats.org/markup-compatibility/2006" xmlns:a14="http://schemas.microsoft.com/office/drawing/2010/main">
-        <mc:Choice Requires="a14">
+      <mc:AlternateContent xmlns:mc="http://schemas.openxmlformats.org/markup-compatibility/2006">
+        <mc:Choice xmlns:a14="http://schemas.microsoft.com/office/drawing/2010/main" Requires="a14">
           <p:sp>
             <p:nvSpPr>
               <p:cNvPr id="20" name="Textfeld 19">
@@ -8192,7 +8205,7 @@
                     </m:oMath>
                   </m:oMathPara>
                 </a14:m>
-                <a:endParaRPr lang="en-AU">
+                <a:endParaRPr lang="en-AU" dirty="0">
                   <a:solidFill>
                     <a:srgbClr val="000000"/>
                   </a:solidFill>
@@ -8201,7 +8214,7 @@
                 </a:endParaRPr>
               </a:p>
               <a:p>
-                <a:endParaRPr lang="en-AU">
+                <a:endParaRPr lang="en-AU" dirty="0">
                   <a:solidFill>
                     <a:srgbClr val="000000"/>
                   </a:solidFill>
@@ -8211,7 +8224,7 @@
               </a:p>
               <a:p>
                 <a:r>
-                  <a:rPr lang="en-AU">
+                  <a:rPr lang="en-AU" u="sng" dirty="0">
                     <a:solidFill>
                       <a:srgbClr val="000000"/>
                     </a:solidFill>
@@ -8222,7 +8235,7 @@
                 </a:r>
               </a:p>
               <a:p>
-                <a:endParaRPr lang="en-AU">
+                <a:endParaRPr lang="en-AU" dirty="0">
                   <a:solidFill>
                     <a:srgbClr val="000000"/>
                   </a:solidFill>
@@ -8486,7 +8499,7 @@
                     </m:oMath>
                   </m:oMathPara>
                 </a14:m>
-                <a:endParaRPr lang="en-AU">
+                <a:endParaRPr lang="en-AU" dirty="0">
                   <a:solidFill>
                     <a:srgbClr val="000000"/>
                   </a:solidFill>
@@ -8495,7 +8508,7 @@
                 </a:endParaRPr>
               </a:p>
               <a:p>
-                <a:endParaRPr lang="en-AU">
+                <a:endParaRPr lang="en-AU" dirty="0">
                   <a:solidFill>
                     <a:srgbClr val="000000"/>
                   </a:solidFill>
@@ -8505,7 +8518,7 @@
               </a:p>
               <a:p>
                 <a:r>
-                  <a:rPr lang="en-AU">
+                  <a:rPr lang="en-AU" u="sng" dirty="0">
                     <a:solidFill>
                       <a:srgbClr val="000000"/>
                     </a:solidFill>
@@ -8516,7 +8529,7 @@
                 </a:r>
               </a:p>
               <a:p>
-                <a:endParaRPr lang="en-AU">
+                <a:endParaRPr lang="en-AU" dirty="0">
                   <a:solidFill>
                     <a:srgbClr val="000000"/>
                   </a:solidFill>
@@ -8801,7 +8814,7 @@
                     </m:oMath>
                   </m:oMathPara>
                 </a14:m>
-                <a:endParaRPr lang="en-AU">
+                <a:endParaRPr lang="en-AU" dirty="0">
                   <a:solidFill>
                     <a:srgbClr val="000000"/>
                   </a:solidFill>
@@ -8810,7 +8823,7 @@
                 </a:endParaRPr>
               </a:p>
               <a:p>
-                <a:endParaRPr lang="en-AU">
+                <a:endParaRPr lang="en-AU" dirty="0">
                   <a:solidFill>
                     <a:srgbClr val="000000"/>
                   </a:solidFill>
@@ -8820,7 +8833,7 @@
               </a:p>
               <a:p>
                 <a:r>
-                  <a:rPr lang="en-AU">
+                  <a:rPr lang="en-AU" u="sng" dirty="0">
                     <a:solidFill>
                       <a:srgbClr val="000000"/>
                     </a:solidFill>
@@ -8831,7 +8844,7 @@
                 </a:r>
               </a:p>
               <a:p>
-                <a:endParaRPr lang="en-AU">
+                <a:endParaRPr lang="en-AU" dirty="0">
                   <a:solidFill>
                     <a:srgbClr val="000000"/>
                   </a:solidFill>
@@ -9342,7 +9355,7 @@
                     </m:oMath>
                   </m:oMathPara>
                 </a14:m>
-                <a:endParaRPr lang="en-AU">
+                <a:endParaRPr lang="en-AU" dirty="0">
                   <a:solidFill>
                     <a:srgbClr val="000000"/>
                   </a:solidFill>
@@ -9351,7 +9364,7 @@
                 </a:endParaRPr>
               </a:p>
               <a:p>
-                <a:endParaRPr lang="en-AU">
+                <a:endParaRPr lang="en-AU" dirty="0">
                   <a:solidFill>
                     <a:srgbClr val="000000"/>
                   </a:solidFill>
@@ -9361,7 +9374,7 @@
               </a:p>
               <a:p>
                 <a:r>
-                  <a:rPr lang="en-AU">
+                  <a:rPr lang="en-AU" u="sng" dirty="0">
                     <a:solidFill>
                       <a:srgbClr val="000000"/>
                     </a:solidFill>
@@ -9372,7 +9385,7 @@
                 </a:r>
               </a:p>
               <a:p>
-                <a:endParaRPr lang="en-AU">
+                <a:endParaRPr lang="en-AU" dirty="0">
                   <a:solidFill>
                     <a:srgbClr val="000000"/>
                   </a:solidFill>
@@ -9494,7 +9507,7 @@
                     </m:oMath>
                   </m:oMathPara>
                 </a14:m>
-                <a:endParaRPr lang="en-AU">
+                <a:endParaRPr lang="en-AU" dirty="0">
                   <a:solidFill>
                     <a:srgbClr val="000000"/>
                   </a:solidFill>
@@ -9503,7 +9516,7 @@
                 </a:endParaRPr>
               </a:p>
               <a:p>
-                <a:endParaRPr lang="en-AU">
+                <a:endParaRPr lang="en-AU" dirty="0">
                   <a:solidFill>
                     <a:srgbClr val="000000"/>
                   </a:solidFill>
@@ -10015,7 +10028,7 @@
                     </m:oMath>
                   </m:oMathPara>
                 </a14:m>
-                <a:endParaRPr lang="en-AU">
+                <a:endParaRPr lang="en-AU" dirty="0">
                   <a:solidFill>
                     <a:srgbClr val="000000"/>
                   </a:solidFill>
@@ -10024,7 +10037,7 @@
                 </a:endParaRPr>
               </a:p>
               <a:p>
-                <a:endParaRPr lang="en-AU" u="sng">
+                <a:endParaRPr lang="en-AU" u="sng" dirty="0">
                   <a:latin typeface="+mj-lt"/>
                   <a:cs typeface="Calibri" panose="020F0502020204030204" pitchFamily="34" charset="0"/>
                 </a:endParaRPr>
@@ -10032,7 +10045,7 @@
             </p:txBody>
           </p:sp>
         </mc:Choice>
-        <mc:Fallback xmlns="">
+        <mc:Fallback>
           <p:sp>
             <p:nvSpPr>
               <p:cNvPr id="20" name="Textfeld 19">
@@ -10480,8 +10493,8 @@
         </p:nvSpPr>
         <p:spPr>
           <a:xfrm>
-            <a:off x="4504128" y="2728079"/>
-            <a:ext cx="4555344" cy="3139321"/>
+            <a:off x="4668382" y="2514600"/>
+            <a:ext cx="4258872" cy="3416320"/>
           </a:xfrm>
           <a:prstGeom prst="rect">
             <a:avLst/>
@@ -10500,18 +10513,18 @@
           <a:lstStyle/>
           <a:p>
             <a:r>
-              <a:rPr lang="en-AU">
+              <a:rPr lang="en-AU" dirty="0">
                 <a:solidFill>
                   <a:srgbClr val="000000"/>
                 </a:solidFill>
                 <a:latin typeface="+mj-lt"/>
                 <a:cs typeface="Calibri" panose="020F0502020204030204" pitchFamily="34" charset="0"/>
               </a:rPr>
-              <a:t>The Probability of an malfunction in BBB (A=0) is reduced due to observing the malfunction of the micro (M=0) knowing that a recording was not successful (R=0).</a:t>
+              <a:t>The probability of a malfunction in BBB (A=0) is reduced due to observing the malfunction of the microphone (M=0) knowing that a recording was not successful (R=0).</a:t>
             </a:r>
           </a:p>
           <a:p>
-            <a:endParaRPr lang="en-AU">
+            <a:endParaRPr lang="en-AU" dirty="0">
               <a:solidFill>
                 <a:srgbClr val="000000"/>
               </a:solidFill>
@@ -10521,7 +10534,7 @@
           </a:p>
           <a:p>
             <a:r>
-              <a:rPr lang="en-AU">
+              <a:rPr lang="en-AU" dirty="0">
                 <a:solidFill>
                   <a:srgbClr val="000000"/>
                 </a:solidFill>
@@ -10532,7 +10545,7 @@
             </a:r>
           </a:p>
           <a:p>
-            <a:endParaRPr lang="en-AU">
+            <a:endParaRPr lang="en-AU" dirty="0">
               <a:solidFill>
                 <a:srgbClr val="000000"/>
               </a:solidFill>
@@ -10542,7 +10555,7 @@
           </a:p>
           <a:p>
             <a:r>
-              <a:rPr lang="en-AU">
+              <a:rPr lang="en-AU" dirty="0">
                 <a:solidFill>
                   <a:srgbClr val="000000"/>
                 </a:solidFill>
@@ -28059,8 +28072,8 @@
           <a:chExt cx="0" cy="0"/>
         </a:xfrm>
       </p:grpSpPr>
-      <mc:AlternateContent xmlns:mc="http://schemas.openxmlformats.org/markup-compatibility/2006" xmlns:a14="http://schemas.microsoft.com/office/drawing/2010/main">
-        <mc:Choice Requires="a14">
+      <mc:AlternateContent xmlns:mc="http://schemas.openxmlformats.org/markup-compatibility/2006">
+        <mc:Choice xmlns:a14="http://schemas.microsoft.com/office/drawing/2010/main" Requires="a14">
           <p:sp>
             <p:nvSpPr>
               <p:cNvPr id="9219" name="Rectangle 3"/>
@@ -28087,10 +28100,22 @@
                   </a:lnSpc>
                 </a:pPr>
                 <a:r>
-                  <a:rPr lang="en-AU" sz="1800">
+                  <a:rPr lang="en-AU" sz="1800" dirty="0">
                     <a:latin typeface="+mj-lt"/>
                   </a:rPr>
-                  <a:t>It is worth spending a moment to understand further the possible surprising behavior of the graph. Consider a particular instance of such a graph corresponding to a problem with three binary random variables related to a working recording using BigBlueButton.</a:t>
+                  <a:t>It is worth spending a moment to understand further the possible surprising behaviour of the graph. Consider a particular instance of such a graph corresponding to a problem with three binary random variables related to a working recording using </a:t>
+                </a:r>
+                <a:r>
+                  <a:rPr lang="en-AU" sz="1800" dirty="0" err="1">
+                    <a:latin typeface="+mj-lt"/>
+                  </a:rPr>
+                  <a:t>BigBlueButton</a:t>
+                </a:r>
+                <a:r>
+                  <a:rPr lang="en-AU" sz="1800" dirty="0">
+                    <a:latin typeface="+mj-lt"/>
+                  </a:rPr>
+                  <a:t>.</a:t>
                 </a:r>
               </a:p>
               <a:p>
@@ -28099,7 +28124,7 @@
                     <a:spcPct val="90000"/>
                   </a:lnSpc>
                 </a:pPr>
-                <a:endParaRPr lang="en-AU" sz="1800" b="0">
+                <a:endParaRPr lang="en-AU" sz="1800" b="0" dirty="0">
                   <a:latin typeface="+mj-lt"/>
                 </a:endParaRPr>
               </a:p>
@@ -28110,7 +28135,7 @@
                   </a:lnSpc>
                 </a:pPr>
                 <a:r>
-                  <a:rPr lang="en-AU" sz="1800" b="0">
+                  <a:rPr lang="en-AU" sz="1800" b="0" dirty="0">
                     <a:latin typeface="+mj-lt"/>
                   </a:rPr>
                   <a:t>The variables are called:</a:t>
@@ -28124,7 +28149,7 @@
                   <a:buFont typeface="Arial" charset="0"/>
                   <a:buChar char="•"/>
                 </a:pPr>
-                <a:endParaRPr lang="en-AU" sz="1800" b="0" i="1">
+                <a:endParaRPr lang="en-AU" sz="1800" b="0" i="1" dirty="0">
                   <a:latin typeface="+mj-lt"/>
                 </a:endParaRPr>
               </a:p>
@@ -28166,13 +28191,13 @@
                   </m:oMath>
                 </a14:m>
                 <a:r>
-                  <a:rPr lang="en-AU" sz="1200" b="0">
+                  <a:rPr lang="en-AU" sz="1200" b="0" dirty="0">
                     <a:latin typeface="+mj-lt"/>
                   </a:rPr>
                   <a:t> - </a:t>
                 </a:r>
                 <a:r>
-                  <a:rPr lang="en-AU" sz="1800" b="0">
+                  <a:rPr lang="en-AU" sz="1800" b="0" dirty="0">
                     <a:latin typeface="+mj-lt"/>
                   </a:rPr>
                   <a:t>Microphone state – that is either working (M=1) or not working (M=0; broken, connection issues, not plugged in etc.)</a:t>
@@ -28186,7 +28211,7 @@
                   <a:buFont typeface="Arial" charset="0"/>
                   <a:buChar char="•"/>
                 </a:pPr>
-                <a:endParaRPr lang="en-AU" sz="1800" b="0">
+                <a:endParaRPr lang="en-AU" sz="1800" b="0" dirty="0">
                   <a:latin typeface="+mj-lt"/>
                 </a:endParaRPr>
               </a:p>
@@ -28228,16 +28253,16 @@
                   </m:oMath>
                 </a14:m>
                 <a:r>
-                  <a:rPr lang="en-AU" sz="1200" b="0">
+                  <a:rPr lang="en-AU" sz="1200" b="0" dirty="0">
                     <a:latin typeface="+mj-lt"/>
                   </a:rPr>
                   <a:t> </a:t>
                 </a:r>
                 <a:r>
-                  <a:rPr lang="en-AU" sz="1800" b="0">
+                  <a:rPr lang="en-AU" sz="1800" b="0" dirty="0">
                     <a:latin typeface="+mj-lt"/>
                   </a:rPr>
-                  <a:t>- Recording app in BBB – That is working properly (A=1) or has a malfuction due to server issues (A=0)</a:t>
+                  <a:t>- Recording app in BBB – That is working properly (A=1) or has a malfunction due to server issues (A=0)</a:t>
                 </a:r>
               </a:p>
               <a:p>
@@ -28248,7 +28273,7 @@
                   <a:buFont typeface="Arial" charset="0"/>
                   <a:buChar char="•"/>
                 </a:pPr>
-                <a:endParaRPr lang="en-AU" sz="1800" b="0">
+                <a:endParaRPr lang="en-AU" sz="1800" b="0" dirty="0">
                   <a:latin typeface="+mj-lt"/>
                 </a:endParaRPr>
               </a:p>
@@ -28290,10 +28315,10 @@
                   </m:oMath>
                 </a14:m>
                 <a:r>
-                  <a:rPr lang="en-AU" sz="1800" b="0">
+                  <a:rPr lang="en-AU" sz="1800" b="0" dirty="0">
                     <a:latin typeface="+mj-lt"/>
                   </a:rPr>
-                  <a:t> - Recorded session – That was succesfull (R=1) or unsuccesfull (R=0)</a:t>
+                  <a:t> - Recorded session – That was successful (R=1) or unsuccessful (R=0)</a:t>
                 </a:r>
               </a:p>
               <a:p>
@@ -28304,7 +28329,7 @@
                   <a:buFont typeface="Arial" charset="0"/>
                   <a:buChar char="•"/>
                 </a:pPr>
-                <a:endParaRPr lang="en-AU" sz="1800" b="0">
+                <a:endParaRPr lang="en-AU" sz="1800" b="0" dirty="0">
                   <a:latin typeface="+mj-lt"/>
                 </a:endParaRPr>
               </a:p>
@@ -28316,14 +28341,14 @@
                   <a:buFont typeface="Arial" charset="0"/>
                   <a:buChar char="•"/>
                 </a:pPr>
-                <a:endParaRPr lang="en-AU" sz="1800" b="0">
+                <a:endParaRPr lang="en-AU" sz="1800" b="0" dirty="0">
                   <a:latin typeface="+mj-lt"/>
                 </a:endParaRPr>
               </a:p>
             </p:txBody>
           </p:sp>
         </mc:Choice>
-        <mc:Fallback xmlns="">
+        <mc:Fallback>
           <p:sp>
             <p:nvSpPr>
               <p:cNvPr id="9219" name="Rectangle 3"/>
@@ -30667,8 +30692,8 @@
           </a:p>
         </p:txBody>
       </p:sp>
-      <mc:AlternateContent xmlns:mc="http://schemas.openxmlformats.org/markup-compatibility/2006" xmlns:a14="http://schemas.microsoft.com/office/drawing/2010/main">
-        <mc:Choice Requires="a14">
+      <mc:AlternateContent xmlns:mc="http://schemas.openxmlformats.org/markup-compatibility/2006">
+        <mc:Choice xmlns:a14="http://schemas.microsoft.com/office/drawing/2010/main" Requires="a14">
           <p:sp>
             <p:nvSpPr>
               <p:cNvPr id="21" name="Textfeld 20">
@@ -30701,18 +30726,18 @@
               <a:lstStyle/>
               <a:p>
                 <a:r>
-                  <a:rPr lang="en-AU">
+                  <a:rPr lang="en-AU" dirty="0">
                     <a:solidFill>
                       <a:srgbClr val="000000"/>
                     </a:solidFill>
                     <a:latin typeface="+mj-lt"/>
                     <a:cs typeface="Calibri" panose="020F0502020204030204" pitchFamily="34" charset="0"/>
                   </a:rPr>
-                  <a:t>Let´s  assume we know that the recording wasn´t working. The proper mathematical expression than would be:</a:t>
+                  <a:t>Let’s assume we know that the recording wasn´t working. The proper mathematical expression than would be:</a:t>
                 </a:r>
               </a:p>
               <a:p>
-                <a:endParaRPr lang="en-AU" i="1">
+                <a:endParaRPr lang="en-AU" i="1" dirty="0">
                   <a:latin typeface="+mj-lt"/>
                   <a:cs typeface="Calibri" panose="020F0502020204030204" pitchFamily="34" charset="0"/>
                 </a:endParaRPr>
@@ -30764,20 +30789,20 @@
                     </m:oMath>
                   </m:oMathPara>
                 </a14:m>
-                <a:endParaRPr lang="en-AU">
+                <a:endParaRPr lang="en-AU" dirty="0">
                   <a:latin typeface="+mj-lt"/>
                   <a:cs typeface="Calibri" panose="020F0502020204030204" pitchFamily="34" charset="0"/>
                 </a:endParaRPr>
               </a:p>
               <a:p>
-                <a:endParaRPr lang="en-AU">
+                <a:endParaRPr lang="en-AU" dirty="0">
                   <a:latin typeface="+mj-lt"/>
                   <a:cs typeface="Calibri" panose="020F0502020204030204" pitchFamily="34" charset="0"/>
                 </a:endParaRPr>
               </a:p>
               <a:p>
                 <a:r>
-                  <a:rPr lang="en-AU" u="sng">
+                  <a:rPr lang="en-AU" u="sng" dirty="0">
                     <a:latin typeface="+mj-lt"/>
                     <a:cs typeface="Calibri" panose="020F0502020204030204" pitchFamily="34" charset="0"/>
                   </a:rPr>
@@ -30785,7 +30810,7 @@
                 </a:r>
               </a:p>
               <a:p>
-                <a:endParaRPr lang="en-AU" i="1">
+                <a:endParaRPr lang="en-AU" i="1" dirty="0">
                   <a:latin typeface="+mj-lt"/>
                   <a:cs typeface="Calibri" panose="020F0502020204030204" pitchFamily="34" charset="0"/>
                 </a:endParaRPr>
@@ -30955,20 +30980,20 @@
                     </m:oMath>
                   </m:oMathPara>
                 </a14:m>
-                <a:endParaRPr lang="en-AU">
+                <a:endParaRPr lang="en-AU" dirty="0">
                   <a:latin typeface="+mj-lt"/>
                   <a:cs typeface="Calibri" panose="020F0502020204030204" pitchFamily="34" charset="0"/>
                 </a:endParaRPr>
               </a:p>
               <a:p>
-                <a:endParaRPr lang="en-AU">
+                <a:endParaRPr lang="en-AU" dirty="0">
                   <a:latin typeface="+mj-lt"/>
                   <a:cs typeface="Calibri" panose="020F0502020204030204" pitchFamily="34" charset="0"/>
                 </a:endParaRPr>
               </a:p>
               <a:p>
                 <a:r>
-                  <a:rPr lang="en-AU" u="sng">
+                  <a:rPr lang="en-AU" u="sng" dirty="0">
                     <a:latin typeface="+mj-lt"/>
                     <a:cs typeface="Calibri" panose="020F0502020204030204" pitchFamily="34" charset="0"/>
                   </a:rPr>
@@ -30976,7 +31001,7 @@
                 </a:r>
               </a:p>
               <a:p>
-                <a:endParaRPr lang="en-AU">
+                <a:endParaRPr lang="en-AU" dirty="0">
                   <a:latin typeface="+mj-lt"/>
                   <a:cs typeface="Calibri" panose="020F0502020204030204" pitchFamily="34" charset="0"/>
                 </a:endParaRPr>
@@ -31170,13 +31195,13 @@
                     </m:oMath>
                   </m:oMathPara>
                 </a14:m>
-                <a:endParaRPr lang="en-AU">
+                <a:endParaRPr lang="en-AU" dirty="0">
                   <a:latin typeface="+mj-lt"/>
                   <a:cs typeface="Calibri" panose="020F0502020204030204" pitchFamily="34" charset="0"/>
                 </a:endParaRPr>
               </a:p>
               <a:p>
-                <a:endParaRPr lang="en-AU">
+                <a:endParaRPr lang="en-AU" dirty="0">
                   <a:latin typeface="+mj-lt"/>
                   <a:cs typeface="Calibri" panose="020F0502020204030204" pitchFamily="34" charset="0"/>
                 </a:endParaRPr>
@@ -31235,7 +31260,7 @@
                   </m:oMath>
                 </a14:m>
                 <a:r>
-                  <a:rPr lang="en-AU">
+                  <a:rPr lang="en-AU" dirty="0">
                     <a:latin typeface="+mj-lt"/>
                     <a:cs typeface="Calibri" panose="020F0502020204030204" pitchFamily="34" charset="0"/>
                   </a:rPr>
@@ -31252,7 +31277,7 @@
                   </m:oMath>
                 </a14:m>
                 <a:r>
-                  <a:rPr lang="en-AU">
+                  <a:rPr lang="en-AU" dirty="0">
                     <a:latin typeface="+mj-lt"/>
                     <a:cs typeface="Calibri" panose="020F0502020204030204" pitchFamily="34" charset="0"/>
                   </a:rPr>
@@ -31405,32 +31430,32 @@
                     </m:f>
                   </m:oMath>
                 </a14:m>
-                <a:endParaRPr lang="en-AU">
+                <a:endParaRPr lang="en-AU" dirty="0">
                   <a:latin typeface="+mj-lt"/>
                   <a:cs typeface="Calibri" panose="020F0502020204030204" pitchFamily="34" charset="0"/>
                 </a:endParaRPr>
               </a:p>
               <a:p>
-                <a:endParaRPr lang="en-AU">
+                <a:endParaRPr lang="en-AU" dirty="0">
                   <a:latin typeface="+mj-lt"/>
                   <a:cs typeface="Calibri" panose="020F0502020204030204" pitchFamily="34" charset="0"/>
                 </a:endParaRPr>
               </a:p>
               <a:p>
                 <a:r>
-                  <a:rPr lang="en-AU" u="sng">
+                  <a:rPr lang="en-AU" u="sng" dirty="0">
                     <a:latin typeface="+mj-lt"/>
                     <a:cs typeface="Calibri" panose="020F0502020204030204" pitchFamily="34" charset="0"/>
                   </a:rPr>
                   <a:t>3. Marginalize over M</a:t>
                 </a:r>
-                <a:endParaRPr lang="en-AU">
+                <a:endParaRPr lang="en-AU" dirty="0">
                   <a:latin typeface="+mj-lt"/>
                   <a:cs typeface="Calibri" panose="020F0502020204030204" pitchFamily="34" charset="0"/>
                 </a:endParaRPr>
               </a:p>
               <a:p>
-                <a:endParaRPr lang="en-AU">
+                <a:endParaRPr lang="en-AU" dirty="0">
                   <a:latin typeface="+mj-lt"/>
                   <a:cs typeface="Calibri" panose="020F0502020204030204" pitchFamily="34" charset="0"/>
                 </a:endParaRPr>
@@ -31703,13 +31728,13 @@
                     </m:oMath>
                   </m:oMathPara>
                 </a14:m>
-                <a:endParaRPr lang="en-AU">
+                <a:endParaRPr lang="en-AU" dirty="0">
                   <a:latin typeface="+mj-lt"/>
                   <a:cs typeface="Calibri" panose="020F0502020204030204" pitchFamily="34" charset="0"/>
                 </a:endParaRPr>
               </a:p>
               <a:p>
-                <a:endParaRPr lang="en-AU">
+                <a:endParaRPr lang="en-AU" dirty="0">
                   <a:latin typeface="+mj-lt"/>
                   <a:cs typeface="Calibri" panose="020F0502020204030204" pitchFamily="34" charset="0"/>
                 </a:endParaRPr>
@@ -31717,7 +31742,7 @@
             </p:txBody>
           </p:sp>
         </mc:Choice>
-        <mc:Fallback xmlns="">
+        <mc:Fallback>
           <p:sp>
             <p:nvSpPr>
               <p:cNvPr id="21" name="Textfeld 20">
@@ -31743,7 +31768,7 @@
               <a:blipFill>
                 <a:blip r:embed="rId3"/>
                 <a:stretch>
-                  <a:fillRect l="-1151" t="-649"/>
+                  <a:fillRect l="-1151" t="-557"/>
                 </a:stretch>
               </a:blipFill>
               <a:ln>
@@ -31780,7 +31805,7 @@
         <p:spPr>
           <a:xfrm>
             <a:off x="5127472" y="3922791"/>
-            <a:ext cx="3855824" cy="2031325"/>
+            <a:ext cx="3855824" cy="2308324"/>
           </a:xfrm>
           <a:prstGeom prst="rect">
             <a:avLst/>
@@ -31810,16 +31835,16 @@
           </a:lstStyle>
           <a:p>
             <a:r>
-              <a:rPr lang="en-AU"/>
-              <a:t>As we see on the tables a slide ago, there is no P(R) that we could directly plug in, as it is not directly given (dependend on p(M) and p(A)).</a:t>
+              <a:rPr lang="en-AU" dirty="0"/>
+              <a:t>As we see on the tables a slide ago, there is no P(R) that we could directly plug in, as it is not directly given (dependent on p(M) and p(A)).</a:t>
             </a:r>
           </a:p>
           <a:p>
-            <a:endParaRPr lang="en-AU"/>
+            <a:endParaRPr lang="en-AU" dirty="0"/>
           </a:p>
           <a:p>
             <a:r>
-              <a:rPr lang="en-AU"/>
+              <a:rPr lang="en-AU" dirty="0"/>
               <a:t>So we have to calculate it somehow out of the given information.</a:t>
             </a:r>
           </a:p>
@@ -32504,8 +32529,8 @@
           </a:p>
         </p:txBody>
       </p:sp>
-      <mc:AlternateContent xmlns:mc="http://schemas.openxmlformats.org/markup-compatibility/2006" xmlns:a14="http://schemas.microsoft.com/office/drawing/2010/main">
-        <mc:Choice Requires="a14">
+      <mc:AlternateContent xmlns:mc="http://schemas.openxmlformats.org/markup-compatibility/2006">
+        <mc:Choice xmlns:a14="http://schemas.microsoft.com/office/drawing/2010/main" Requires="a14">
           <p:sp>
             <p:nvSpPr>
               <p:cNvPr id="9" name="Textfeld 8">
@@ -32884,25 +32909,7 @@
                     </a:solidFill>
                     <a:latin typeface="+mj-lt"/>
                   </a:rPr>
-                  <a:t>2. Just </a:t>
-                </a:r>
-                <a:r>
-                  <a:rPr lang="en-AU" u="sng" dirty="0" err="1">
-                    <a:solidFill>
-                      <a:srgbClr val="000000"/>
-                    </a:solidFill>
-                    <a:latin typeface="+mj-lt"/>
-                  </a:rPr>
-                  <a:t>margilize</a:t>
-                </a:r>
-                <a:r>
-                  <a:rPr lang="en-AU" u="sng" dirty="0">
-                    <a:solidFill>
-                      <a:srgbClr val="000000"/>
-                    </a:solidFill>
-                    <a:latin typeface="+mj-lt"/>
-                  </a:rPr>
-                  <a:t> over M and A</a:t>
+                  <a:t>2. Just marginalize over M and A</a:t>
                 </a:r>
               </a:p>
               <a:p>
@@ -33194,7 +33201,7 @@
                     </a:solidFill>
                     <a:latin typeface="+mj-lt"/>
                   </a:rPr>
-                  <a:t>3. Plug in Values</a:t>
+                  <a:t>3. Plug in values</a:t>
                 </a:r>
               </a:p>
               <a:p>
@@ -34367,7 +34374,7 @@
             </p:txBody>
           </p:sp>
         </mc:Choice>
-        <mc:Fallback xmlns="">
+        <mc:Fallback>
           <p:sp>
             <p:nvSpPr>
               <p:cNvPr id="9" name="Textfeld 8">
@@ -34457,23 +34464,31 @@
           </a:lstStyle>
           <a:p>
             <a:r>
-              <a:rPr lang="en-AU"/>
+              <a:rPr lang="en-AU" dirty="0"/>
               <a:t>Now that we calculated our P(R=0) we can return to our original task.</a:t>
             </a:r>
           </a:p>
           <a:p>
-            <a:endParaRPr lang="en-AU"/>
+            <a:endParaRPr lang="en-AU" dirty="0"/>
           </a:p>
           <a:p>
             <a:r>
-              <a:rPr lang="en-AU"/>
-              <a:t>As side nodes: You don´t need to calculate P(R=0) already. You simply can plug the formula in later.</a:t>
+              <a:rPr lang="en-AU" dirty="0"/>
+              <a:t>As side notes: You don´t need to calculate P(R=0) already. </a:t>
+            </a:r>
+            <a:r>
+              <a:rPr lang="en-US" dirty="0"/>
+              <a:t>You can simply plug the formula in later</a:t>
+            </a:r>
+            <a:r>
+              <a:rPr lang="en-AU" dirty="0"/>
+              <a:t>.</a:t>
             </a:r>
           </a:p>
           <a:p>
             <a:r>
-              <a:rPr lang="en-AU"/>
-              <a:t>Additionaly we just calculated the probability of an unsuccesfull recording without knowing anything about the recording functionality or the state of the microphone given the probabilities on the table.</a:t>
+              <a:rPr lang="en-AU" dirty="0"/>
+              <a:t>Additionally we just calculated the probability of an unsuccessful recording without knowing anything about the recording functionality or the state of the microphone given the probabilities on the table.</a:t>
             </a:r>
           </a:p>
         </p:txBody>
@@ -34748,8 +34763,8 @@
           <a:chExt cx="0" cy="0"/>
         </a:xfrm>
       </p:grpSpPr>
-      <mc:AlternateContent xmlns:mc="http://schemas.openxmlformats.org/markup-compatibility/2006" xmlns:a14="http://schemas.microsoft.com/office/drawing/2010/main">
-        <mc:Choice Requires="a14">
+      <mc:AlternateContent xmlns:mc="http://schemas.openxmlformats.org/markup-compatibility/2006">
+        <mc:Choice xmlns:a14="http://schemas.microsoft.com/office/drawing/2010/main" Requires="a14">
           <p:sp>
             <p:nvSpPr>
               <p:cNvPr id="21" name="Textfeld 20">
@@ -34782,7 +34797,7 @@
               <a:lstStyle/>
               <a:p>
                 <a:r>
-                  <a:rPr lang="en-US" dirty="0">
+                  <a:rPr lang="en-US" u="sng" dirty="0">
                     <a:solidFill>
                       <a:srgbClr val="000000"/>
                     </a:solidFill>
@@ -35531,7 +35546,7 @@
               </a:p>
               <a:p>
                 <a:r>
-                  <a:rPr lang="de-DE" dirty="0">
+                  <a:rPr lang="de-DE" u="sng" dirty="0">
                     <a:solidFill>
                       <a:srgbClr val="000000"/>
                     </a:solidFill>
@@ -36632,7 +36647,7 @@
             </p:txBody>
           </p:sp>
         </mc:Choice>
-        <mc:Fallback xmlns="">
+        <mc:Fallback>
           <p:sp>
             <p:nvSpPr>
               <p:cNvPr id="21" name="Textfeld 20">
